--- a/IVNUA/3 - PowerShell Advanced Scripting/PowerShell Advanced Scripting.pptx
+++ b/IVNUA/3 - PowerShell Advanced Scripting/PowerShell Advanced Scripting.pptx
@@ -219,7 +219,7 @@
           <a:p>
             <a:fld id="{D922124F-9096-4F65-B98D-494517E1E84D}" type="datetimeFigureOut">
               <a:rPr lang="en-US" smtClean="0"/>
-              <a:t>4/11/2016</a:t>
+              <a:t>4/15/2016</a:t>
             </a:fld>
             <a:endParaRPr lang="en-US"/>
           </a:p>
@@ -1342,7 +1342,7 @@
           <a:p>
             <a:fld id="{643362E6-4F7B-44C5-B885-A5775EF3D157}" type="datetimeFigureOut">
               <a:rPr lang="en-US" smtClean="0"/>
-              <a:t>4/11/2016</a:t>
+              <a:t>4/15/2016</a:t>
             </a:fld>
             <a:endParaRPr lang="en-US"/>
           </a:p>
@@ -1510,7 +1510,7 @@
           <a:p>
             <a:fld id="{643362E6-4F7B-44C5-B885-A5775EF3D157}" type="datetimeFigureOut">
               <a:rPr lang="en-US" smtClean="0"/>
-              <a:t>4/11/2016</a:t>
+              <a:t>4/15/2016</a:t>
             </a:fld>
             <a:endParaRPr lang="en-US"/>
           </a:p>
@@ -1688,7 +1688,7 @@
           <a:p>
             <a:fld id="{643362E6-4F7B-44C5-B885-A5775EF3D157}" type="datetimeFigureOut">
               <a:rPr lang="en-US" smtClean="0"/>
-              <a:t>4/11/2016</a:t>
+              <a:t>4/15/2016</a:t>
             </a:fld>
             <a:endParaRPr lang="en-US"/>
           </a:p>
@@ -1856,7 +1856,7 @@
           <a:p>
             <a:fld id="{94956D06-D8E6-4D4F-80FF-47BC6194BAA4}" type="datetimeFigureOut">
               <a:rPr lang="en-US" smtClean="0"/>
-              <a:t>4/11/2016</a:t>
+              <a:t>4/15/2016</a:t>
             </a:fld>
             <a:endParaRPr lang="en-US"/>
           </a:p>
@@ -2024,7 +2024,7 @@
           <a:p>
             <a:fld id="{643362E6-4F7B-44C5-B885-A5775EF3D157}" type="datetimeFigureOut">
               <a:rPr lang="en-US" smtClean="0"/>
-              <a:t>4/11/2016</a:t>
+              <a:t>4/15/2016</a:t>
             </a:fld>
             <a:endParaRPr lang="en-US"/>
           </a:p>
@@ -2269,7 +2269,7 @@
           <a:p>
             <a:fld id="{643362E6-4F7B-44C5-B885-A5775EF3D157}" type="datetimeFigureOut">
               <a:rPr lang="en-US" smtClean="0"/>
-              <a:t>4/11/2016</a:t>
+              <a:t>4/15/2016</a:t>
             </a:fld>
             <a:endParaRPr lang="en-US"/>
           </a:p>
@@ -2498,7 +2498,7 @@
           <a:p>
             <a:fld id="{643362E6-4F7B-44C5-B885-A5775EF3D157}" type="datetimeFigureOut">
               <a:rPr lang="en-US" smtClean="0"/>
-              <a:t>4/11/2016</a:t>
+              <a:t>4/15/2016</a:t>
             </a:fld>
             <a:endParaRPr lang="en-US"/>
           </a:p>
@@ -2862,7 +2862,7 @@
           <a:p>
             <a:fld id="{643362E6-4F7B-44C5-B885-A5775EF3D157}" type="datetimeFigureOut">
               <a:rPr lang="en-US" smtClean="0"/>
-              <a:t>4/11/2016</a:t>
+              <a:t>4/15/2016</a:t>
             </a:fld>
             <a:endParaRPr lang="en-US"/>
           </a:p>
@@ -2979,7 +2979,7 @@
           <a:p>
             <a:fld id="{643362E6-4F7B-44C5-B885-A5775EF3D157}" type="datetimeFigureOut">
               <a:rPr lang="en-US" smtClean="0"/>
-              <a:t>4/11/2016</a:t>
+              <a:t>4/15/2016</a:t>
             </a:fld>
             <a:endParaRPr lang="en-US"/>
           </a:p>
@@ -3074,7 +3074,7 @@
           <a:p>
             <a:fld id="{643362E6-4F7B-44C5-B885-A5775EF3D157}" type="datetimeFigureOut">
               <a:rPr lang="en-US" smtClean="0"/>
-              <a:t>4/11/2016</a:t>
+              <a:t>4/15/2016</a:t>
             </a:fld>
             <a:endParaRPr lang="en-US"/>
           </a:p>
@@ -3349,7 +3349,7 @@
           <a:p>
             <a:fld id="{643362E6-4F7B-44C5-B885-A5775EF3D157}" type="datetimeFigureOut">
               <a:rPr lang="en-US" smtClean="0"/>
-              <a:t>4/11/2016</a:t>
+              <a:t>4/15/2016</a:t>
             </a:fld>
             <a:endParaRPr lang="en-US"/>
           </a:p>
@@ -3601,7 +3601,7 @@
           <a:p>
             <a:fld id="{643362E6-4F7B-44C5-B885-A5775EF3D157}" type="datetimeFigureOut">
               <a:rPr lang="en-US" smtClean="0"/>
-              <a:t>4/11/2016</a:t>
+              <a:t>4/15/2016</a:t>
             </a:fld>
             <a:endParaRPr lang="en-US"/>
           </a:p>
@@ -3812,7 +3812,7 @@
           <a:p>
             <a:fld id="{643362E6-4F7B-44C5-B885-A5775EF3D157}" type="datetimeFigureOut">
               <a:rPr lang="en-US" smtClean="0"/>
-              <a:t>4/11/2016</a:t>
+              <a:t>4/15/2016</a:t>
             </a:fld>
             <a:endParaRPr lang="en-US"/>
           </a:p>
@@ -4619,6 +4619,13 @@
   <p:clrMapOvr>
     <a:masterClrMapping/>
   </p:clrMapOvr>
+  <p:timing>
+    <p:tnLst>
+      <p:par>
+        <p:cTn id="1" dur="indefinite" restart="never" nodeType="tmRoot"/>
+      </p:par>
+    </p:tnLst>
+  </p:timing>
 </p:sld>
 </file>
 
@@ -4715,6 +4722,13 @@
   <p:clrMapOvr>
     <a:masterClrMapping/>
   </p:clrMapOvr>
+  <p:timing>
+    <p:tnLst>
+      <p:par>
+        <p:cTn id="1" dur="indefinite" restart="never" nodeType="tmRoot"/>
+      </p:par>
+    </p:tnLst>
+  </p:timing>
 </p:sld>
 </file>
 
@@ -4815,7 +4829,7 @@
       </p:sp>
       <p:pic>
         <p:nvPicPr>
-          <p:cNvPr id="4" name="Picture 3"/>
+          <p:cNvPr id="5" name="Picture 4"/>
           <p:cNvPicPr>
             <a:picLocks noChangeAspect="1"/>
           </p:cNvPicPr>
@@ -4829,8 +4843,8 @@
         </p:blipFill>
         <p:spPr>
           <a:xfrm>
-            <a:off x="6366949" y="2543632"/>
-            <a:ext cx="5262343" cy="955493"/>
+            <a:off x="6417478" y="2927649"/>
+            <a:ext cx="5188217" cy="508026"/>
           </a:xfrm>
           <a:prstGeom prst="rect">
             <a:avLst/>
@@ -4847,6 +4861,13 @@
   <p:clrMapOvr>
     <a:masterClrMapping/>
   </p:clrMapOvr>
+  <p:timing>
+    <p:tnLst>
+      <p:par>
+        <p:cTn id="1" dur="indefinite" restart="never" nodeType="tmRoot"/>
+      </p:par>
+    </p:tnLst>
+  </p:timing>
 </p:sld>
 </file>
 
@@ -4950,7 +4971,7 @@
       </p:sp>
       <p:pic>
         <p:nvPicPr>
-          <p:cNvPr id="4" name="Picture 3"/>
+          <p:cNvPr id="5" name="Picture 4"/>
           <p:cNvPicPr>
             <a:picLocks noChangeAspect="1"/>
           </p:cNvPicPr>
@@ -4964,8 +4985,8 @@
         </p:blipFill>
         <p:spPr>
           <a:xfrm>
-            <a:off x="6096000" y="2892359"/>
-            <a:ext cx="5847619" cy="885714"/>
+            <a:off x="4553503" y="2788460"/>
+            <a:ext cx="7092173" cy="1131468"/>
           </a:xfrm>
           <a:prstGeom prst="rect">
             <a:avLst/>
@@ -4982,6 +5003,13 @@
   <p:clrMapOvr>
     <a:masterClrMapping/>
   </p:clrMapOvr>
+  <p:timing>
+    <p:tnLst>
+      <p:par>
+        <p:cTn id="1" dur="indefinite" restart="never" nodeType="tmRoot"/>
+      </p:par>
+    </p:tnLst>
+  </p:timing>
 </p:sld>
 </file>
 
@@ -5060,7 +5088,7 @@
       </p:sp>
       <p:pic>
         <p:nvPicPr>
-          <p:cNvPr id="4" name="Picture 3"/>
+          <p:cNvPr id="7" name="Picture 6"/>
           <p:cNvPicPr>
             <a:picLocks noChangeAspect="1"/>
           </p:cNvPicPr>
@@ -5074,47 +5102,14 @@
         </p:blipFill>
         <p:spPr>
           <a:xfrm>
-            <a:off x="3172190" y="4001294"/>
-            <a:ext cx="5847619" cy="885714"/>
+            <a:off x="2993865" y="3573329"/>
+            <a:ext cx="6204269" cy="2603634"/>
           </a:xfrm>
           <a:prstGeom prst="rect">
             <a:avLst/>
           </a:prstGeom>
         </p:spPr>
       </p:pic>
-      <p:cxnSp>
-        <p:nvCxnSpPr>
-          <p:cNvPr id="6" name="Straight Arrow Connector 5"/>
-          <p:cNvCxnSpPr/>
-          <p:nvPr/>
-        </p:nvCxnSpPr>
-        <p:spPr>
-          <a:xfrm flipH="1">
-            <a:off x="5673969" y="3552826"/>
-            <a:ext cx="2649416" cy="620589"/>
-          </a:xfrm>
-          <a:prstGeom prst="straightConnector1">
-            <a:avLst/>
-          </a:prstGeom>
-          <a:ln>
-            <a:tailEnd type="triangle"/>
-          </a:ln>
-        </p:spPr>
-        <p:style>
-          <a:lnRef idx="1">
-            <a:schemeClr val="accent1"/>
-          </a:lnRef>
-          <a:fillRef idx="0">
-            <a:schemeClr val="accent1"/>
-          </a:fillRef>
-          <a:effectRef idx="0">
-            <a:schemeClr val="accent1"/>
-          </a:effectRef>
-          <a:fontRef idx="minor">
-            <a:schemeClr val="tx1"/>
-          </a:fontRef>
-        </p:style>
-      </p:cxnSp>
     </p:spTree>
     <p:extLst>
       <p:ext uri="{BB962C8B-B14F-4D97-AF65-F5344CB8AC3E}">
@@ -5125,6 +5120,13 @@
   <p:clrMapOvr>
     <a:masterClrMapping/>
   </p:clrMapOvr>
+  <p:timing>
+    <p:tnLst>
+      <p:par>
+        <p:cTn id="1" dur="indefinite" restart="never" nodeType="tmRoot"/>
+      </p:par>
+    </p:tnLst>
+  </p:timing>
 </p:sld>
 </file>
 
@@ -5219,7 +5221,7 @@
       </p:sp>
       <p:pic>
         <p:nvPicPr>
-          <p:cNvPr id="4" name="Picture 3"/>
+          <p:cNvPr id="7" name="Picture 6"/>
           <p:cNvPicPr>
             <a:picLocks noChangeAspect="1"/>
           </p:cNvPicPr>
@@ -5227,63 +5229,6 @@
         </p:nvPicPr>
         <p:blipFill>
           <a:blip r:embed="rId2"/>
-          <a:stretch>
-            <a:fillRect/>
-          </a:stretch>
-        </p:blipFill>
-        <p:spPr>
-          <a:xfrm>
-            <a:off x="2614246" y="3792220"/>
-            <a:ext cx="5847619" cy="885714"/>
-          </a:xfrm>
-          <a:prstGeom prst="rect">
-            <a:avLst/>
-          </a:prstGeom>
-        </p:spPr>
-      </p:pic>
-      <p:cxnSp>
-        <p:nvCxnSpPr>
-          <p:cNvPr id="6" name="Straight Arrow Connector 5"/>
-          <p:cNvCxnSpPr/>
-          <p:nvPr/>
-        </p:nvCxnSpPr>
-        <p:spPr>
-          <a:xfrm>
-            <a:off x="5076092" y="3153753"/>
-            <a:ext cx="1594339" cy="777448"/>
-          </a:xfrm>
-          <a:prstGeom prst="straightConnector1">
-            <a:avLst/>
-          </a:prstGeom>
-          <a:ln>
-            <a:tailEnd type="triangle"/>
-          </a:ln>
-        </p:spPr>
-        <p:style>
-          <a:lnRef idx="1">
-            <a:schemeClr val="accent1"/>
-          </a:lnRef>
-          <a:fillRef idx="0">
-            <a:schemeClr val="accent1"/>
-          </a:fillRef>
-          <a:effectRef idx="0">
-            <a:schemeClr val="accent1"/>
-          </a:effectRef>
-          <a:fontRef idx="minor">
-            <a:schemeClr val="tx1"/>
-          </a:fontRef>
-        </p:style>
-      </p:cxnSp>
-      <p:pic>
-        <p:nvPicPr>
-          <p:cNvPr id="7" name="Picture 6"/>
-          <p:cNvPicPr>
-            <a:picLocks noChangeAspect="1"/>
-          </p:cNvPicPr>
-          <p:nvPr/>
-        </p:nvPicPr>
-        <p:blipFill>
-          <a:blip r:embed="rId3"/>
           <a:stretch>
             <a:fillRect/>
           </a:stretch>
@@ -5331,6 +5276,63 @@
           </a:fontRef>
         </p:style>
       </p:cxnSp>
+      <p:pic>
+        <p:nvPicPr>
+          <p:cNvPr id="5" name="Picture 4"/>
+          <p:cNvPicPr>
+            <a:picLocks noChangeAspect="1"/>
+          </p:cNvPicPr>
+          <p:nvPr/>
+        </p:nvPicPr>
+        <p:blipFill>
+          <a:blip r:embed="rId3"/>
+          <a:stretch>
+            <a:fillRect/>
+          </a:stretch>
+        </p:blipFill>
+        <p:spPr>
+          <a:xfrm>
+            <a:off x="1879194" y="3529215"/>
+            <a:ext cx="7709911" cy="1196814"/>
+          </a:xfrm>
+          <a:prstGeom prst="rect">
+            <a:avLst/>
+          </a:prstGeom>
+        </p:spPr>
+      </p:pic>
+      <p:cxnSp>
+        <p:nvCxnSpPr>
+          <p:cNvPr id="6" name="Straight Arrow Connector 5"/>
+          <p:cNvCxnSpPr/>
+          <p:nvPr/>
+        </p:nvCxnSpPr>
+        <p:spPr>
+          <a:xfrm>
+            <a:off x="3749463" y="3095363"/>
+            <a:ext cx="1594339" cy="777448"/>
+          </a:xfrm>
+          <a:prstGeom prst="straightConnector1">
+            <a:avLst/>
+          </a:prstGeom>
+          <a:ln>
+            <a:tailEnd type="triangle"/>
+          </a:ln>
+        </p:spPr>
+        <p:style>
+          <a:lnRef idx="1">
+            <a:schemeClr val="accent1"/>
+          </a:lnRef>
+          <a:fillRef idx="0">
+            <a:schemeClr val="accent1"/>
+          </a:fillRef>
+          <a:effectRef idx="0">
+            <a:schemeClr val="accent1"/>
+          </a:effectRef>
+          <a:fontRef idx="minor">
+            <a:schemeClr val="tx1"/>
+          </a:fontRef>
+        </p:style>
+      </p:cxnSp>
     </p:spTree>
     <p:extLst>
       <p:ext uri="{BB962C8B-B14F-4D97-AF65-F5344CB8AC3E}">
@@ -5341,6 +5343,13 @@
   <p:clrMapOvr>
     <a:masterClrMapping/>
   </p:clrMapOvr>
+  <p:timing>
+    <p:tnLst>
+      <p:par>
+        <p:cTn id="1" dur="indefinite" restart="never" nodeType="tmRoot"/>
+      </p:par>
+    </p:tnLst>
+  </p:timing>
 </p:sld>
 </file>
 
@@ -5406,14 +5415,13 @@
           <a:p>
             <a:r>
               <a:rPr lang="en-US" dirty="0"/>
-              <a:t>Multi-Line Comment</a:t>
-            </a:r>
-          </a:p>
-          <a:p>
-            <a:r>
-              <a:rPr lang="en-US" dirty="0"/>
-              <a:t>June Blender will find you if you don’t have help</a:t>
-            </a:r>
+              <a:t>Multi-Line </a:t>
+            </a:r>
+            <a:r>
+              <a:rPr lang="en-US" dirty="0" smtClean="0"/>
+              <a:t>Comment</a:t>
+            </a:r>
+            <a:endParaRPr lang="en-US" dirty="0"/>
           </a:p>
         </p:txBody>
       </p:sp>
@@ -5451,6 +5459,13 @@
   <p:clrMapOvr>
     <a:masterClrMapping/>
   </p:clrMapOvr>
+  <p:timing>
+    <p:tnLst>
+      <p:par>
+        <p:cTn id="1" dur="indefinite" restart="never" nodeType="tmRoot"/>
+      </p:par>
+    </p:tnLst>
+  </p:timing>
 </p:sld>
 </file>
 
@@ -5552,6 +5567,13 @@
   <p:clrMapOvr>
     <a:masterClrMapping/>
   </p:clrMapOvr>
+  <p:timing>
+    <p:tnLst>
+      <p:par>
+        <p:cTn id="1" dur="indefinite" restart="never" nodeType="tmRoot"/>
+      </p:par>
+    </p:tnLst>
+  </p:timing>
 </p:sld>
 </file>
 
@@ -5884,6 +5906,13 @@
   <p:clrMapOvr>
     <a:masterClrMapping/>
   </p:clrMapOvr>
+  <p:timing>
+    <p:tnLst>
+      <p:par>
+        <p:cTn id="1" dur="indefinite" restart="never" nodeType="tmRoot"/>
+      </p:par>
+    </p:tnLst>
+  </p:timing>
 </p:sld>
 </file>
 
@@ -5997,6 +6026,13 @@
   <p:clrMapOvr>
     <a:masterClrMapping/>
   </p:clrMapOvr>
+  <p:timing>
+    <p:tnLst>
+      <p:par>
+        <p:cTn id="1" dur="indefinite" restart="never" nodeType="tmRoot"/>
+      </p:par>
+    </p:tnLst>
+  </p:timing>
 </p:sld>
 </file>
 
@@ -6092,6 +6128,13 @@
   <p:clrMapOvr>
     <a:masterClrMapping/>
   </p:clrMapOvr>
+  <p:timing>
+    <p:tnLst>
+      <p:par>
+        <p:cTn id="1" dur="indefinite" restart="never" nodeType="tmRoot"/>
+      </p:par>
+    </p:tnLst>
+  </p:timing>
 </p:sld>
 </file>
 
@@ -6199,6 +6242,13 @@
   <p:clrMapOvr>
     <a:masterClrMapping/>
   </p:clrMapOvr>
+  <p:timing>
+    <p:tnLst>
+      <p:par>
+        <p:cTn id="1" dur="indefinite" restart="never" nodeType="tmRoot"/>
+      </p:par>
+    </p:tnLst>
+  </p:timing>
 </p:sld>
 </file>
 
@@ -6271,16 +6321,60 @@
           <a:p>
             <a:pPr lvl="1"/>
             <a:r>
-              <a:rPr lang="en-US" dirty="0"/>
-              <a:t>Utilize jobs to avoid blocking during execution</a:t>
+              <a:rPr lang="en-US" dirty="0" smtClean="0"/>
+              <a:t>Implement a </a:t>
+            </a:r>
+            <a:r>
+              <a:rPr lang="en-US" dirty="0" err="1" smtClean="0"/>
+              <a:t>AsJob</a:t>
+            </a:r>
+            <a:r>
+              <a:rPr lang="en-US" dirty="0" smtClean="0"/>
+              <a:t> parameter to utilize </a:t>
+            </a:r>
+            <a:r>
+              <a:rPr lang="en-US" dirty="0"/>
+              <a:t>jobs </a:t>
+            </a:r>
+            <a:r>
+              <a:rPr lang="en-US" dirty="0" smtClean="0"/>
+              <a:t>and avoid </a:t>
+            </a:r>
+            <a:r>
+              <a:rPr lang="en-US" dirty="0"/>
+              <a:t>blocking during execution</a:t>
             </a:r>
           </a:p>
           <a:p>
             <a:pPr lvl="1"/>
             <a:r>
               <a:rPr lang="en-US" dirty="0"/>
-              <a:t>Make sure to validate inputs</a:t>
-            </a:r>
+              <a:t>Make sure to validate </a:t>
+            </a:r>
+            <a:r>
+              <a:rPr lang="en-US" dirty="0" smtClean="0"/>
+              <a:t>inputs</a:t>
+            </a:r>
+          </a:p>
+          <a:p>
+            <a:pPr lvl="1"/>
+            <a:r>
+              <a:rPr lang="en-US" dirty="0" smtClean="0"/>
+              <a:t>Write progress for execution where </a:t>
+            </a:r>
+            <a:r>
+              <a:rPr lang="en-US" dirty="0" err="1" smtClean="0"/>
+              <a:t>AsJob</a:t>
+            </a:r>
+            <a:r>
+              <a:rPr lang="en-US" dirty="0" smtClean="0"/>
+              <a:t> is </a:t>
+            </a:r>
+            <a:r>
+              <a:rPr lang="en-US" smtClean="0"/>
+              <a:t>not specified</a:t>
+            </a:r>
+            <a:endParaRPr lang="en-US" dirty="0"/>
           </a:p>
           <a:p>
             <a:pPr lvl="1"/>
@@ -6298,6 +6392,13 @@
   <p:clrMapOvr>
     <a:masterClrMapping/>
   </p:clrMapOvr>
+  <p:timing>
+    <p:tnLst>
+      <p:par>
+        <p:cTn id="1" dur="indefinite" restart="never" nodeType="tmRoot"/>
+      </p:par>
+    </p:tnLst>
+  </p:timing>
 </p:sld>
 </file>
 
@@ -6396,6 +6497,13 @@
   <p:clrMapOvr>
     <a:masterClrMapping/>
   </p:clrMapOvr>
+  <p:timing>
+    <p:tnLst>
+      <p:par>
+        <p:cTn id="1" dur="indefinite" restart="never" nodeType="tmRoot"/>
+      </p:par>
+    </p:tnLst>
+  </p:timing>
 </p:sld>
 </file>
 
@@ -6474,6 +6582,13 @@
   <p:clrMapOvr>
     <a:masterClrMapping/>
   </p:clrMapOvr>
+  <p:timing>
+    <p:tnLst>
+      <p:par>
+        <p:cTn id="1" dur="indefinite" restart="never" nodeType="tmRoot"/>
+      </p:par>
+    </p:tnLst>
+  </p:timing>
 </p:sld>
 </file>
 
@@ -6550,6 +6665,13 @@
   <p:clrMapOvr>
     <a:masterClrMapping/>
   </p:clrMapOvr>
+  <p:timing>
+    <p:tnLst>
+      <p:par>
+        <p:cTn id="1" dur="indefinite" restart="never" nodeType="tmRoot"/>
+      </p:par>
+    </p:tnLst>
+  </p:timing>
 </p:sld>
 </file>
 
@@ -6631,6 +6753,13 @@
   <p:clrMapOvr>
     <a:masterClrMapping/>
   </p:clrMapOvr>
+  <p:timing>
+    <p:tnLst>
+      <p:par>
+        <p:cTn id="1" dur="indefinite" restart="never" nodeType="tmRoot"/>
+      </p:par>
+    </p:tnLst>
+  </p:timing>
 </p:sld>
 </file>
 
@@ -6757,6 +6886,13 @@
   <p:clrMapOvr>
     <a:masterClrMapping/>
   </p:clrMapOvr>
+  <p:timing>
+    <p:tnLst>
+      <p:par>
+        <p:cTn id="1" dur="indefinite" restart="never" nodeType="tmRoot"/>
+      </p:par>
+    </p:tnLst>
+  </p:timing>
 </p:sld>
 </file>
 
@@ -6826,17 +6962,14 @@
           </a:p>
           <a:p>
             <a:r>
-              <a:rPr lang="en-US" dirty="0"/>
-              <a:t>-Confirm</a:t>
-            </a:r>
-          </a:p>
-          <a:p>
-            <a:r>
-              <a:rPr lang="en-US" dirty="0"/>
-              <a:t>-</a:t>
-            </a:r>
-            <a:r>
-              <a:rPr lang="en-US" dirty="0" err="1"/>
+              <a:rPr lang="en-US" dirty="0" smtClean="0"/>
+              <a:t>Confirm</a:t>
+            </a:r>
+            <a:endParaRPr lang="en-US" dirty="0"/>
+          </a:p>
+          <a:p>
+            <a:r>
+              <a:rPr lang="en-US" dirty="0" err="1" smtClean="0"/>
               <a:t>WhatIf</a:t>
             </a:r>
             <a:endParaRPr lang="en-US" dirty="0"/>
@@ -6877,6 +7010,13 @@
   <p:clrMapOvr>
     <a:masterClrMapping/>
   </p:clrMapOvr>
+  <p:timing>
+    <p:tnLst>
+      <p:par>
+        <p:cTn id="1" dur="indefinite" restart="never" nodeType="tmRoot"/>
+      </p:par>
+    </p:tnLst>
+  </p:timing>
 </p:sld>
 </file>
 
@@ -6981,6 +7121,13 @@
   <p:clrMapOvr>
     <a:masterClrMapping/>
   </p:clrMapOvr>
+  <p:timing>
+    <p:tnLst>
+      <p:par>
+        <p:cTn id="1" dur="indefinite" restart="never" nodeType="tmRoot"/>
+      </p:par>
+    </p:tnLst>
+  </p:timing>
 </p:sld>
 </file>
 

--- a/IVNUA/3 - PowerShell Advanced Scripting/PowerShell Advanced Scripting.pptx
+++ b/IVNUA/3 - PowerShell Advanced Scripting/PowerShell Advanced Scripting.pptx
@@ -4843,8 +4843,8 @@
         </p:blipFill>
         <p:spPr>
           <a:xfrm>
-            <a:off x="6417478" y="2927649"/>
-            <a:ext cx="5188217" cy="508026"/>
+            <a:off x="5605400" y="2927649"/>
+            <a:ext cx="6000295" cy="587544"/>
           </a:xfrm>
           <a:prstGeom prst="rect">
             <a:avLst/>
@@ -5198,8 +5198,8 @@
               <a:t>Support for </a:t>
             </a:r>
             <a:r>
-              <a:rPr lang="en-US" dirty="0" err="1"/>
-              <a:t>ConfirmPreference</a:t>
+              <a:rPr lang="en-US" dirty="0" smtClean="0"/>
+              <a:t>Confirm</a:t>
             </a:r>
             <a:endParaRPr lang="en-US" dirty="0"/>
           </a:p>
@@ -5441,8 +5441,8 @@
         </p:blipFill>
         <p:spPr>
           <a:xfrm>
-            <a:off x="3625279" y="3783024"/>
-            <a:ext cx="4542857" cy="2152381"/>
+            <a:off x="2823305" y="2923082"/>
+            <a:ext cx="6120579" cy="2899897"/>
           </a:xfrm>
           <a:prstGeom prst="rect">
             <a:avLst/>
@@ -6368,11 +6368,7 @@
             </a:r>
             <a:r>
               <a:rPr lang="en-US" dirty="0" smtClean="0"/>
-              <a:t> is </a:t>
-            </a:r>
-            <a:r>
-              <a:rPr lang="en-US" smtClean="0"/>
-              <a:t>not specified</a:t>
+              <a:t> is not specified</a:t>
             </a:r>
             <a:endParaRPr lang="en-US" dirty="0"/>
           </a:p>
